--- a/Assist.pptx
+++ b/Assist.pptx
@@ -958,7 +958,15 @@
         <a:p>
           <a:r>
             <a:rPr lang="en-US" dirty="0"/>
-            <a:t>Potential client is in need!</a:t>
+            <a:t>Potential </a:t>
+          </a:r>
+          <a:r>
+            <a:rPr lang="en-US" dirty="0" smtClean="0"/>
+            <a:t>distressed client </a:t>
+          </a:r>
+          <a:r>
+            <a:rPr lang="en-US" dirty="0"/>
+            <a:t>is in need!</a:t>
           </a:r>
         </a:p>
       </dgm:t>
@@ -1004,8 +1012,12 @@
         </a:p>
         <a:p>
           <a:r>
+            <a:rPr lang="en-US" dirty="0" smtClean="0"/>
+            <a:t>Distressed client broadcasts </a:t>
+          </a:r>
+          <a:r>
             <a:rPr lang="en-US" dirty="0"/>
-            <a:t>Client broadcasts their need.</a:t>
+            <a:t>their need.</a:t>
           </a:r>
         </a:p>
       </dgm:t>
@@ -1052,8 +1064,13 @@
         <a:p>
           <a:r>
             <a:rPr lang="en-US" dirty="0"/>
-            <a:t>Nearest active Assist associate responds  </a:t>
+            <a:t>Nearest active Assist </a:t>
           </a:r>
+          <a:r>
+            <a:rPr lang="en-US" dirty="0" smtClean="0"/>
+            <a:t>hero responds  </a:t>
+          </a:r>
+          <a:endParaRPr lang="en-US" dirty="0"/>
         </a:p>
       </dgm:t>
       <dgm:extLst>
@@ -1099,8 +1116,13 @@
         <a:p>
           <a:r>
             <a:rPr lang="en-US" dirty="0"/>
-            <a:t>Client accepts associate’s response</a:t>
+            <a:t>Client </a:t>
           </a:r>
+          <a:r>
+            <a:rPr lang="en-US" dirty="0" smtClean="0"/>
+            <a:t>receives notification of hero’s response</a:t>
+          </a:r>
+          <a:endParaRPr lang="en-US" dirty="0"/>
         </a:p>
       </dgm:t>
       <dgm:extLst>
@@ -1145,9 +1167,18 @@
         </a:p>
         <a:p>
           <a:r>
+            <a:rPr lang="en-US" dirty="0" smtClean="0"/>
+            <a:t>Hero arrives </a:t>
+          </a:r>
+          <a:r>
             <a:rPr lang="en-US" dirty="0"/>
-            <a:t>Associate arrives and assists client</a:t>
+            <a:t>and assists </a:t>
           </a:r>
+          <a:r>
+            <a:rPr lang="en-US" dirty="0" smtClean="0"/>
+            <a:t>distressed client</a:t>
+          </a:r>
+          <a:endParaRPr lang="en-US" dirty="0"/>
         </a:p>
       </dgm:t>
       <dgm:extLst>
@@ -1201,6 +1232,13 @@
         </dgm:presLayoutVars>
       </dgm:prSet>
       <dgm:spPr/>
+      <dgm:t>
+        <a:bodyPr/>
+        <a:lstStyle/>
+        <a:p>
+          <a:endParaRPr lang="en-US"/>
+        </a:p>
+      </dgm:t>
     </dgm:pt>
     <dgm:pt modelId="{C3070741-B1DF-4C0A-9B11-EFF5B1284941}" type="pres">
       <dgm:prSet presAssocID="{44156040-AF98-4F2C-9909-9F2439F6F588}" presName="FiveNodes_2" presStyleLbl="node1" presStyleIdx="1" presStyleCnt="5">
@@ -1209,6 +1247,13 @@
         </dgm:presLayoutVars>
       </dgm:prSet>
       <dgm:spPr/>
+      <dgm:t>
+        <a:bodyPr/>
+        <a:lstStyle/>
+        <a:p>
+          <a:endParaRPr lang="en-US"/>
+        </a:p>
+      </dgm:t>
     </dgm:pt>
     <dgm:pt modelId="{B3F2EB4E-4CBA-41EE-80D7-CC4F42F8491D}" type="pres">
       <dgm:prSet presAssocID="{44156040-AF98-4F2C-9909-9F2439F6F588}" presName="FiveNodes_3" presStyleLbl="node1" presStyleIdx="2" presStyleCnt="5">
@@ -1217,6 +1262,13 @@
         </dgm:presLayoutVars>
       </dgm:prSet>
       <dgm:spPr/>
+      <dgm:t>
+        <a:bodyPr/>
+        <a:lstStyle/>
+        <a:p>
+          <a:endParaRPr lang="en-US"/>
+        </a:p>
+      </dgm:t>
     </dgm:pt>
     <dgm:pt modelId="{73343952-148F-4F15-A488-87D53E73393B}" type="pres">
       <dgm:prSet presAssocID="{44156040-AF98-4F2C-9909-9F2439F6F588}" presName="FiveNodes_4" presStyleLbl="node1" presStyleIdx="3" presStyleCnt="5">
@@ -1225,6 +1277,13 @@
         </dgm:presLayoutVars>
       </dgm:prSet>
       <dgm:spPr/>
+      <dgm:t>
+        <a:bodyPr/>
+        <a:lstStyle/>
+        <a:p>
+          <a:endParaRPr lang="en-US"/>
+        </a:p>
+      </dgm:t>
     </dgm:pt>
     <dgm:pt modelId="{E4A2847A-23DB-4EB1-8C34-80D8F17B82EB}" type="pres">
       <dgm:prSet presAssocID="{44156040-AF98-4F2C-9909-9F2439F6F588}" presName="FiveNodes_5" presStyleLbl="node1" presStyleIdx="4" presStyleCnt="5">
@@ -1233,6 +1292,13 @@
         </dgm:presLayoutVars>
       </dgm:prSet>
       <dgm:spPr/>
+      <dgm:t>
+        <a:bodyPr/>
+        <a:lstStyle/>
+        <a:p>
+          <a:endParaRPr lang="en-US"/>
+        </a:p>
+      </dgm:t>
     </dgm:pt>
     <dgm:pt modelId="{304E38D8-00A2-409D-AAA6-7A164BAA925B}" type="pres">
       <dgm:prSet presAssocID="{44156040-AF98-4F2C-9909-9F2439F6F588}" presName="FiveConn_1-2" presStyleLbl="fgAccFollowNode1" presStyleIdx="0" presStyleCnt="4">
@@ -1241,6 +1307,13 @@
         </dgm:presLayoutVars>
       </dgm:prSet>
       <dgm:spPr/>
+      <dgm:t>
+        <a:bodyPr/>
+        <a:lstStyle/>
+        <a:p>
+          <a:endParaRPr lang="en-US"/>
+        </a:p>
+      </dgm:t>
     </dgm:pt>
     <dgm:pt modelId="{AD3639B5-445C-43D1-83EC-04F196F897E3}" type="pres">
       <dgm:prSet presAssocID="{44156040-AF98-4F2C-9909-9F2439F6F588}" presName="FiveConn_2-3" presStyleLbl="fgAccFollowNode1" presStyleIdx="1" presStyleCnt="4">
@@ -1249,6 +1322,13 @@
         </dgm:presLayoutVars>
       </dgm:prSet>
       <dgm:spPr/>
+      <dgm:t>
+        <a:bodyPr/>
+        <a:lstStyle/>
+        <a:p>
+          <a:endParaRPr lang="en-US"/>
+        </a:p>
+      </dgm:t>
     </dgm:pt>
     <dgm:pt modelId="{AFB7A6C6-9F66-4C07-869E-E9A2B050887E}" type="pres">
       <dgm:prSet presAssocID="{44156040-AF98-4F2C-9909-9F2439F6F588}" presName="FiveConn_3-4" presStyleLbl="fgAccFollowNode1" presStyleIdx="2" presStyleCnt="4">
@@ -1257,6 +1337,13 @@
         </dgm:presLayoutVars>
       </dgm:prSet>
       <dgm:spPr/>
+      <dgm:t>
+        <a:bodyPr/>
+        <a:lstStyle/>
+        <a:p>
+          <a:endParaRPr lang="en-US"/>
+        </a:p>
+      </dgm:t>
     </dgm:pt>
     <dgm:pt modelId="{0647A1BF-6D9A-46F6-AE16-6DB625586426}" type="pres">
       <dgm:prSet presAssocID="{44156040-AF98-4F2C-9909-9F2439F6F588}" presName="FiveConn_4-5" presStyleLbl="fgAccFollowNode1" presStyleIdx="3" presStyleCnt="4">
@@ -1265,6 +1352,13 @@
         </dgm:presLayoutVars>
       </dgm:prSet>
       <dgm:spPr/>
+      <dgm:t>
+        <a:bodyPr/>
+        <a:lstStyle/>
+        <a:p>
+          <a:endParaRPr lang="en-US"/>
+        </a:p>
+      </dgm:t>
     </dgm:pt>
     <dgm:pt modelId="{B61A2487-C26E-4494-A1E4-B360FDDA3A12}" type="pres">
       <dgm:prSet presAssocID="{44156040-AF98-4F2C-9909-9F2439F6F588}" presName="FiveNodes_1_text" presStyleLbl="node1" presStyleIdx="4" presStyleCnt="5">
@@ -1273,6 +1367,13 @@
         </dgm:presLayoutVars>
       </dgm:prSet>
       <dgm:spPr/>
+      <dgm:t>
+        <a:bodyPr/>
+        <a:lstStyle/>
+        <a:p>
+          <a:endParaRPr lang="en-US"/>
+        </a:p>
+      </dgm:t>
     </dgm:pt>
     <dgm:pt modelId="{7310C895-959B-465C-AE8C-4E5D253A26A4}" type="pres">
       <dgm:prSet presAssocID="{44156040-AF98-4F2C-9909-9F2439F6F588}" presName="FiveNodes_2_text" presStyleLbl="node1" presStyleIdx="4" presStyleCnt="5">
@@ -1281,6 +1382,13 @@
         </dgm:presLayoutVars>
       </dgm:prSet>
       <dgm:spPr/>
+      <dgm:t>
+        <a:bodyPr/>
+        <a:lstStyle/>
+        <a:p>
+          <a:endParaRPr lang="en-US"/>
+        </a:p>
+      </dgm:t>
     </dgm:pt>
     <dgm:pt modelId="{B577D68C-A003-4C70-B58A-AF87F536042D}" type="pres">
       <dgm:prSet presAssocID="{44156040-AF98-4F2C-9909-9F2439F6F588}" presName="FiveNodes_3_text" presStyleLbl="node1" presStyleIdx="4" presStyleCnt="5">
@@ -1289,6 +1397,13 @@
         </dgm:presLayoutVars>
       </dgm:prSet>
       <dgm:spPr/>
+      <dgm:t>
+        <a:bodyPr/>
+        <a:lstStyle/>
+        <a:p>
+          <a:endParaRPr lang="en-US"/>
+        </a:p>
+      </dgm:t>
     </dgm:pt>
     <dgm:pt modelId="{459FFD2A-CA56-487D-AFFD-73962FCA4799}" type="pres">
       <dgm:prSet presAssocID="{44156040-AF98-4F2C-9909-9F2439F6F588}" presName="FiveNodes_4_text" presStyleLbl="node1" presStyleIdx="4" presStyleCnt="5">
@@ -1297,6 +1412,13 @@
         </dgm:presLayoutVars>
       </dgm:prSet>
       <dgm:spPr/>
+      <dgm:t>
+        <a:bodyPr/>
+        <a:lstStyle/>
+        <a:p>
+          <a:endParaRPr lang="en-US"/>
+        </a:p>
+      </dgm:t>
     </dgm:pt>
     <dgm:pt modelId="{115C67B9-1989-43BB-911B-D250872A5F3B}" type="pres">
       <dgm:prSet presAssocID="{44156040-AF98-4F2C-9909-9F2439F6F588}" presName="FiveNodes_5_text" presStyleLbl="node1" presStyleIdx="4" presStyleCnt="5">
@@ -1305,28 +1427,35 @@
         </dgm:presLayoutVars>
       </dgm:prSet>
       <dgm:spPr/>
+      <dgm:t>
+        <a:bodyPr/>
+        <a:lstStyle/>
+        <a:p>
+          <a:endParaRPr lang="en-US"/>
+        </a:p>
+      </dgm:t>
     </dgm:pt>
   </dgm:ptLst>
   <dgm:cxnLst>
+    <dgm:cxn modelId="{BABE407D-6D9C-4931-BCA4-EE46C770279F}" type="presOf" srcId="{42147153-A6C2-4177-BA7D-2ACCC2C1B2F7}" destId="{73343952-148F-4F15-A488-87D53E73393B}" srcOrd="0" destOrd="0" presId="urn:microsoft.com/office/officeart/2005/8/layout/vProcess5"/>
+    <dgm:cxn modelId="{B8DA09E7-D111-4DA2-8A2D-B1AA5B3C86D8}" type="presOf" srcId="{74020AF3-C700-4606-8917-C6A353D7963A}" destId="{B61A2487-C26E-4494-A1E4-B360FDDA3A12}" srcOrd="1" destOrd="0" presId="urn:microsoft.com/office/officeart/2005/8/layout/vProcess5"/>
     <dgm:cxn modelId="{4672930C-81B7-4295-8D9E-47134B00F0B1}" type="presOf" srcId="{E1826C46-15A2-4345-B986-53D05F21F155}" destId="{AD3639B5-445C-43D1-83EC-04F196F897E3}" srcOrd="0" destOrd="0" presId="urn:microsoft.com/office/officeart/2005/8/layout/vProcess5"/>
+    <dgm:cxn modelId="{777DC3C6-D336-4C94-A624-E5582A07ECAA}" srcId="{44156040-AF98-4F2C-9909-9F2439F6F588}" destId="{42147153-A6C2-4177-BA7D-2ACCC2C1B2F7}" srcOrd="3" destOrd="0" parTransId="{C6F68745-4C20-4204-96A6-585691399C14}" sibTransId="{0C6B132F-0347-46BA-86A4-3FAFB6676411}"/>
+    <dgm:cxn modelId="{937639B3-2352-48E4-A96B-F63DF2119D92}" srcId="{44156040-AF98-4F2C-9909-9F2439F6F588}" destId="{12E26E22-71B0-4386-A84F-ABF2FF66A99F}" srcOrd="1" destOrd="0" parTransId="{3A6CB3CB-0F71-4CA8-93AA-0E3E3D59D313}" sibTransId="{E1826C46-15A2-4345-B986-53D05F21F155}"/>
     <dgm:cxn modelId="{A483AC15-62BC-4D4F-852D-ED3A032522F5}" type="presOf" srcId="{74020AF3-C700-4606-8917-C6A353D7963A}" destId="{E4487042-1F1E-4AD3-B0EF-4621952C1E02}" srcOrd="0" destOrd="0" presId="urn:microsoft.com/office/officeart/2005/8/layout/vProcess5"/>
-    <dgm:cxn modelId="{1DB59F16-3F35-422C-9CEF-F8624ED4BCFB}" type="presOf" srcId="{C19F69EB-FC56-4865-8C7C-8B556E2C11D2}" destId="{115C67B9-1989-43BB-911B-D250872A5F3B}" srcOrd="1" destOrd="0" presId="urn:microsoft.com/office/officeart/2005/8/layout/vProcess5"/>
-    <dgm:cxn modelId="{DBC38543-63B9-435E-A603-3F1F0B008941}" srcId="{44156040-AF98-4F2C-9909-9F2439F6F588}" destId="{C19F69EB-FC56-4865-8C7C-8B556E2C11D2}" srcOrd="4" destOrd="0" parTransId="{A9C51006-9BCA-42A4-8206-E969C572B6BC}" sibTransId="{DB46A5DF-751C-4751-94F7-6B5243461234}"/>
+    <dgm:cxn modelId="{B0E2386F-A443-4201-8130-FB9CC25AA154}" srcId="{44156040-AF98-4F2C-9909-9F2439F6F588}" destId="{74020AF3-C700-4606-8917-C6A353D7963A}" srcOrd="0" destOrd="0" parTransId="{87D99D21-0B4A-4259-89FB-0E5941CB535C}" sibTransId="{6CFF1BD9-AE1F-4488-8B72-01186EADA6FF}"/>
+    <dgm:cxn modelId="{A8BA476D-A746-4814-A520-295255758406}" type="presOf" srcId="{6CFF1BD9-AE1F-4488-8B72-01186EADA6FF}" destId="{304E38D8-00A2-409D-AAA6-7A164BAA925B}" srcOrd="0" destOrd="0" presId="urn:microsoft.com/office/officeart/2005/8/layout/vProcess5"/>
     <dgm:cxn modelId="{EB134848-CC93-4DB0-97EB-1BE6B65EC28F}" type="presOf" srcId="{42147153-A6C2-4177-BA7D-2ACCC2C1B2F7}" destId="{459FFD2A-CA56-487D-AFFD-73962FCA4799}" srcOrd="1" destOrd="0" presId="urn:microsoft.com/office/officeart/2005/8/layout/vProcess5"/>
-    <dgm:cxn modelId="{8CF7BF49-CACC-4960-857F-4604D46991DC}" type="presOf" srcId="{B6438016-7365-4FC0-A372-D90585B4B6EE}" destId="{AFB7A6C6-9F66-4C07-869E-E9A2B050887E}" srcOrd="0" destOrd="0" presId="urn:microsoft.com/office/officeart/2005/8/layout/vProcess5"/>
-    <dgm:cxn modelId="{58B4B84A-9E30-43E6-9076-8023411A6973}" type="presOf" srcId="{0C6B132F-0347-46BA-86A4-3FAFB6676411}" destId="{0647A1BF-6D9A-46F6-AE16-6DB625586426}" srcOrd="0" destOrd="0" presId="urn:microsoft.com/office/officeart/2005/8/layout/vProcess5"/>
-    <dgm:cxn modelId="{A8BA476D-A746-4814-A520-295255758406}" type="presOf" srcId="{6CFF1BD9-AE1F-4488-8B72-01186EADA6FF}" destId="{304E38D8-00A2-409D-AAA6-7A164BAA925B}" srcOrd="0" destOrd="0" presId="urn:microsoft.com/office/officeart/2005/8/layout/vProcess5"/>
-    <dgm:cxn modelId="{B0E2386F-A443-4201-8130-FB9CC25AA154}" srcId="{44156040-AF98-4F2C-9909-9F2439F6F588}" destId="{74020AF3-C700-4606-8917-C6A353D7963A}" srcOrd="0" destOrd="0" parTransId="{87D99D21-0B4A-4259-89FB-0E5941CB535C}" sibTransId="{6CFF1BD9-AE1F-4488-8B72-01186EADA6FF}"/>
-    <dgm:cxn modelId="{BABE407D-6D9C-4931-BCA4-EE46C770279F}" type="presOf" srcId="{42147153-A6C2-4177-BA7D-2ACCC2C1B2F7}" destId="{73343952-148F-4F15-A488-87D53E73393B}" srcOrd="0" destOrd="0" presId="urn:microsoft.com/office/officeart/2005/8/layout/vProcess5"/>
-    <dgm:cxn modelId="{937639B3-2352-48E4-A96B-F63DF2119D92}" srcId="{44156040-AF98-4F2C-9909-9F2439F6F588}" destId="{12E26E22-71B0-4386-A84F-ABF2FF66A99F}" srcOrd="1" destOrd="0" parTransId="{3A6CB3CB-0F71-4CA8-93AA-0E3E3D59D313}" sibTransId="{E1826C46-15A2-4345-B986-53D05F21F155}"/>
-    <dgm:cxn modelId="{191829B7-67D1-4721-9CEA-DD1E5C265355}" type="presOf" srcId="{12E26E22-71B0-4386-A84F-ABF2FF66A99F}" destId="{C3070741-B1DF-4C0A-9B11-EFF5B1284941}" srcOrd="0" destOrd="0" presId="urn:microsoft.com/office/officeart/2005/8/layout/vProcess5"/>
-    <dgm:cxn modelId="{A61999B9-5E9F-4CC7-94FE-D4D4B327628D}" type="presOf" srcId="{44156040-AF98-4F2C-9909-9F2439F6F588}" destId="{3D749002-3C98-4350-8686-9E9803A5A362}" srcOrd="0" destOrd="0" presId="urn:microsoft.com/office/officeart/2005/8/layout/vProcess5"/>
-    <dgm:cxn modelId="{094FA0C5-9E29-46EF-A985-505D6E048EA3}" type="presOf" srcId="{A8B05E70-CCF1-4080-8EEE-6873C9D4B630}" destId="{B577D68C-A003-4C70-B58A-AF87F536042D}" srcOrd="1" destOrd="0" presId="urn:microsoft.com/office/officeart/2005/8/layout/vProcess5"/>
-    <dgm:cxn modelId="{777DC3C6-D336-4C94-A624-E5582A07ECAA}" srcId="{44156040-AF98-4F2C-9909-9F2439F6F588}" destId="{42147153-A6C2-4177-BA7D-2ACCC2C1B2F7}" srcOrd="3" destOrd="0" parTransId="{C6F68745-4C20-4204-96A6-585691399C14}" sibTransId="{0C6B132F-0347-46BA-86A4-3FAFB6676411}"/>
-    <dgm:cxn modelId="{E24D96CC-4577-4CFC-9C7F-107472FF89C6}" type="presOf" srcId="{A8B05E70-CCF1-4080-8EEE-6873C9D4B630}" destId="{B3F2EB4E-4CBA-41EE-80D7-CC4F42F8491D}" srcOrd="0" destOrd="0" presId="urn:microsoft.com/office/officeart/2005/8/layout/vProcess5"/>
     <dgm:cxn modelId="{B8B909D0-D4F6-48D4-81DA-A58F34AE3646}" srcId="{44156040-AF98-4F2C-9909-9F2439F6F588}" destId="{A8B05E70-CCF1-4080-8EEE-6873C9D4B630}" srcOrd="2" destOrd="0" parTransId="{11D1F3D3-0002-4131-9F84-22FBF8692DA9}" sibTransId="{B6438016-7365-4FC0-A372-D90585B4B6EE}"/>
     <dgm:cxn modelId="{7B6C23D2-7539-4316-B484-49D91FFE1E5F}" type="presOf" srcId="{C19F69EB-FC56-4865-8C7C-8B556E2C11D2}" destId="{E4A2847A-23DB-4EB1-8C34-80D8F17B82EB}" srcOrd="0" destOrd="0" presId="urn:microsoft.com/office/officeart/2005/8/layout/vProcess5"/>
-    <dgm:cxn modelId="{B8DA09E7-D111-4DA2-8A2D-B1AA5B3C86D8}" type="presOf" srcId="{74020AF3-C700-4606-8917-C6A353D7963A}" destId="{B61A2487-C26E-4494-A1E4-B360FDDA3A12}" srcOrd="1" destOrd="0" presId="urn:microsoft.com/office/officeart/2005/8/layout/vProcess5"/>
+    <dgm:cxn modelId="{58B4B84A-9E30-43E6-9076-8023411A6973}" type="presOf" srcId="{0C6B132F-0347-46BA-86A4-3FAFB6676411}" destId="{0647A1BF-6D9A-46F6-AE16-6DB625586426}" srcOrd="0" destOrd="0" presId="urn:microsoft.com/office/officeart/2005/8/layout/vProcess5"/>
+    <dgm:cxn modelId="{1DB59F16-3F35-422C-9CEF-F8624ED4BCFB}" type="presOf" srcId="{C19F69EB-FC56-4865-8C7C-8B556E2C11D2}" destId="{115C67B9-1989-43BB-911B-D250872A5F3B}" srcOrd="1" destOrd="0" presId="urn:microsoft.com/office/officeart/2005/8/layout/vProcess5"/>
+    <dgm:cxn modelId="{A61999B9-5E9F-4CC7-94FE-D4D4B327628D}" type="presOf" srcId="{44156040-AF98-4F2C-9909-9F2439F6F588}" destId="{3D749002-3C98-4350-8686-9E9803A5A362}" srcOrd="0" destOrd="0" presId="urn:microsoft.com/office/officeart/2005/8/layout/vProcess5"/>
+    <dgm:cxn modelId="{8CF7BF49-CACC-4960-857F-4604D46991DC}" type="presOf" srcId="{B6438016-7365-4FC0-A372-D90585B4B6EE}" destId="{AFB7A6C6-9F66-4C07-869E-E9A2B050887E}" srcOrd="0" destOrd="0" presId="urn:microsoft.com/office/officeart/2005/8/layout/vProcess5"/>
+    <dgm:cxn modelId="{DBC38543-63B9-435E-A603-3F1F0B008941}" srcId="{44156040-AF98-4F2C-9909-9F2439F6F588}" destId="{C19F69EB-FC56-4865-8C7C-8B556E2C11D2}" srcOrd="4" destOrd="0" parTransId="{A9C51006-9BCA-42A4-8206-E969C572B6BC}" sibTransId="{DB46A5DF-751C-4751-94F7-6B5243461234}"/>
+    <dgm:cxn modelId="{094FA0C5-9E29-46EF-A985-505D6E048EA3}" type="presOf" srcId="{A8B05E70-CCF1-4080-8EEE-6873C9D4B630}" destId="{B577D68C-A003-4C70-B58A-AF87F536042D}" srcOrd="1" destOrd="0" presId="urn:microsoft.com/office/officeart/2005/8/layout/vProcess5"/>
+    <dgm:cxn modelId="{E24D96CC-4577-4CFC-9C7F-107472FF89C6}" type="presOf" srcId="{A8B05E70-CCF1-4080-8EEE-6873C9D4B630}" destId="{B3F2EB4E-4CBA-41EE-80D7-CC4F42F8491D}" srcOrd="0" destOrd="0" presId="urn:microsoft.com/office/officeart/2005/8/layout/vProcess5"/>
+    <dgm:cxn modelId="{191829B7-67D1-4721-9CEA-DD1E5C265355}" type="presOf" srcId="{12E26E22-71B0-4386-A84F-ABF2FF66A99F}" destId="{C3070741-B1DF-4C0A-9B11-EFF5B1284941}" srcOrd="0" destOrd="0" presId="urn:microsoft.com/office/officeart/2005/8/layout/vProcess5"/>
     <dgm:cxn modelId="{CB7DB5EC-48F4-46B4-A310-B852F18FFCB0}" type="presOf" srcId="{12E26E22-71B0-4386-A84F-ABF2FF66A99F}" destId="{7310C895-959B-465C-AE8C-4E5D253A26A4}" srcOrd="1" destOrd="0" presId="urn:microsoft.com/office/officeart/2005/8/layout/vProcess5"/>
     <dgm:cxn modelId="{B0969EB2-1306-44F9-B572-7B6E142B7189}" type="presParOf" srcId="{3D749002-3C98-4350-8686-9E9803A5A362}" destId="{1338EA1C-BC2A-45E2-AA0D-88F308BA7287}" srcOrd="0" destOrd="0" presId="urn:microsoft.com/office/officeart/2005/8/layout/vProcess5"/>
     <dgm:cxn modelId="{6BB7D873-CD97-4C9A-B9A9-54C725D6798E}" type="presParOf" srcId="{3D749002-3C98-4350-8686-9E9803A5A362}" destId="{E4487042-1F1E-4AD3-B0EF-4621952C1E02}" srcOrd="1" destOrd="0" presId="urn:microsoft.com/office/officeart/2005/8/layout/vProcess5"/>
@@ -1419,7 +1548,7 @@
         </a:bodyPr>
         <a:lstStyle/>
         <a:p>
-          <a:pPr marL="0" lvl="0" indent="0" algn="l" defTabSz="800100">
+          <a:pPr lvl="0" algn="l" defTabSz="800100">
             <a:lnSpc>
               <a:spcPct val="90000"/>
             </a:lnSpc>
@@ -1429,7 +1558,6 @@
             <a:spcAft>
               <a:spcPct val="35000"/>
             </a:spcAft>
-            <a:buNone/>
           </a:pPr>
           <a:r>
             <a:rPr lang="en-US" sz="1800" kern="1200" dirty="0"/>
@@ -1437,7 +1565,7 @@
           </a:r>
         </a:p>
         <a:p>
-          <a:pPr marL="0" lvl="0" indent="0" algn="l" defTabSz="800100">
+          <a:pPr lvl="0" algn="l" defTabSz="800100">
             <a:lnSpc>
               <a:spcPct val="90000"/>
             </a:lnSpc>
@@ -1447,11 +1575,18 @@
             <a:spcAft>
               <a:spcPct val="35000"/>
             </a:spcAft>
-            <a:buNone/>
           </a:pPr>
           <a:r>
             <a:rPr lang="en-US" sz="1800" kern="1200" dirty="0"/>
-            <a:t>Potential client is in need!</a:t>
+            <a:t>Potential </a:t>
+          </a:r>
+          <a:r>
+            <a:rPr lang="en-US" sz="1800" kern="1200" dirty="0" smtClean="0"/>
+            <a:t>distressed client </a:t>
+          </a:r>
+          <a:r>
+            <a:rPr lang="en-US" sz="1800" kern="1200" dirty="0"/>
+            <a:t>is in need!</a:t>
           </a:r>
         </a:p>
       </dsp:txBody>
@@ -1517,7 +1652,7 @@
         </a:bodyPr>
         <a:lstStyle/>
         <a:p>
-          <a:pPr marL="0" lvl="0" indent="0" algn="l" defTabSz="800100">
+          <a:pPr lvl="0" algn="l" defTabSz="800100">
             <a:lnSpc>
               <a:spcPct val="90000"/>
             </a:lnSpc>
@@ -1527,7 +1662,6 @@
             <a:spcAft>
               <a:spcPct val="35000"/>
             </a:spcAft>
-            <a:buNone/>
           </a:pPr>
           <a:r>
             <a:rPr lang="en-US" sz="1800" kern="1200" dirty="0"/>
@@ -1535,7 +1669,7 @@
           </a:r>
         </a:p>
         <a:p>
-          <a:pPr marL="0" lvl="0" indent="0" algn="l" defTabSz="800100">
+          <a:pPr lvl="0" algn="l" defTabSz="800100">
             <a:lnSpc>
               <a:spcPct val="90000"/>
             </a:lnSpc>
@@ -1545,11 +1679,14 @@
             <a:spcAft>
               <a:spcPct val="35000"/>
             </a:spcAft>
-            <a:buNone/>
           </a:pPr>
           <a:r>
+            <a:rPr lang="en-US" sz="1800" kern="1200" dirty="0" smtClean="0"/>
+            <a:t>Distressed client broadcasts </a:t>
+          </a:r>
+          <a:r>
             <a:rPr lang="en-US" sz="1800" kern="1200" dirty="0"/>
-            <a:t>Client broadcasts their need.</a:t>
+            <a:t>their need.</a:t>
           </a:r>
         </a:p>
       </dsp:txBody>
@@ -1615,7 +1752,7 @@
         </a:bodyPr>
         <a:lstStyle/>
         <a:p>
-          <a:pPr marL="0" lvl="0" indent="0" algn="l" defTabSz="800100">
+          <a:pPr lvl="0" algn="l" defTabSz="800100">
             <a:lnSpc>
               <a:spcPct val="90000"/>
             </a:lnSpc>
@@ -1625,7 +1762,6 @@
             <a:spcAft>
               <a:spcPct val="35000"/>
             </a:spcAft>
-            <a:buNone/>
           </a:pPr>
           <a:r>
             <a:rPr lang="en-US" sz="1800" kern="1200" dirty="0"/>
@@ -1633,7 +1769,7 @@
           </a:r>
         </a:p>
         <a:p>
-          <a:pPr marL="0" lvl="0" indent="0" algn="l" defTabSz="800100">
+          <a:pPr lvl="0" algn="l" defTabSz="800100">
             <a:lnSpc>
               <a:spcPct val="90000"/>
             </a:lnSpc>
@@ -1643,12 +1779,16 @@
             <a:spcAft>
               <a:spcPct val="35000"/>
             </a:spcAft>
-            <a:buNone/>
           </a:pPr>
           <a:r>
             <a:rPr lang="en-US" sz="1800" kern="1200" dirty="0"/>
-            <a:t>Nearest active Assist associate responds  </a:t>
+            <a:t>Nearest active Assist </a:t>
           </a:r>
+          <a:r>
+            <a:rPr lang="en-US" sz="1800" kern="1200" dirty="0" smtClean="0"/>
+            <a:t>hero responds  </a:t>
+          </a:r>
+          <a:endParaRPr lang="en-US" sz="1800" kern="1200" dirty="0"/>
         </a:p>
       </dsp:txBody>
       <dsp:txXfrm>
@@ -1713,7 +1853,7 @@
         </a:bodyPr>
         <a:lstStyle/>
         <a:p>
-          <a:pPr marL="0" lvl="0" indent="0" algn="l" defTabSz="800100">
+          <a:pPr lvl="0" algn="l" defTabSz="800100">
             <a:lnSpc>
               <a:spcPct val="90000"/>
             </a:lnSpc>
@@ -1723,7 +1863,6 @@
             <a:spcAft>
               <a:spcPct val="35000"/>
             </a:spcAft>
-            <a:buNone/>
           </a:pPr>
           <a:r>
             <a:rPr lang="en-US" sz="1800" kern="1200" dirty="0"/>
@@ -1731,7 +1870,7 @@
           </a:r>
         </a:p>
         <a:p>
-          <a:pPr marL="0" lvl="0" indent="0" algn="l" defTabSz="800100">
+          <a:pPr lvl="0" algn="l" defTabSz="800100">
             <a:lnSpc>
               <a:spcPct val="90000"/>
             </a:lnSpc>
@@ -1741,12 +1880,16 @@
             <a:spcAft>
               <a:spcPct val="35000"/>
             </a:spcAft>
-            <a:buNone/>
           </a:pPr>
           <a:r>
             <a:rPr lang="en-US" sz="1800" kern="1200" dirty="0"/>
-            <a:t>Client accepts associate’s response</a:t>
+            <a:t>Client </a:t>
           </a:r>
+          <a:r>
+            <a:rPr lang="en-US" sz="1800" kern="1200" dirty="0" smtClean="0"/>
+            <a:t>receives notification of hero’s response</a:t>
+          </a:r>
+          <a:endParaRPr lang="en-US" sz="1800" kern="1200" dirty="0"/>
         </a:p>
       </dsp:txBody>
       <dsp:txXfrm>
@@ -1811,7 +1954,7 @@
         </a:bodyPr>
         <a:lstStyle/>
         <a:p>
-          <a:pPr marL="0" lvl="0" indent="0" algn="l" defTabSz="800100">
+          <a:pPr lvl="0" algn="l" defTabSz="800100">
             <a:lnSpc>
               <a:spcPct val="90000"/>
             </a:lnSpc>
@@ -1821,7 +1964,6 @@
             <a:spcAft>
               <a:spcPct val="35000"/>
             </a:spcAft>
-            <a:buNone/>
           </a:pPr>
           <a:r>
             <a:rPr lang="en-US" sz="1800" kern="1200" dirty="0"/>
@@ -1829,7 +1971,7 @@
           </a:r>
         </a:p>
         <a:p>
-          <a:pPr marL="0" lvl="0" indent="0" algn="l" defTabSz="800100">
+          <a:pPr lvl="0" algn="l" defTabSz="800100">
             <a:lnSpc>
               <a:spcPct val="90000"/>
             </a:lnSpc>
@@ -1839,12 +1981,20 @@
             <a:spcAft>
               <a:spcPct val="35000"/>
             </a:spcAft>
-            <a:buNone/>
           </a:pPr>
           <a:r>
+            <a:rPr lang="en-US" sz="1800" kern="1200" dirty="0" smtClean="0"/>
+            <a:t>Hero arrives </a:t>
+          </a:r>
+          <a:r>
             <a:rPr lang="en-US" sz="1800" kern="1200" dirty="0"/>
-            <a:t>Associate arrives and assists client</a:t>
+            <a:t>and assists </a:t>
           </a:r>
+          <a:r>
+            <a:rPr lang="en-US" sz="1800" kern="1200" dirty="0" smtClean="0"/>
+            <a:t>distressed client</a:t>
+          </a:r>
+          <a:endParaRPr lang="en-US" sz="1800" kern="1200" dirty="0"/>
         </a:p>
       </dsp:txBody>
       <dsp:txXfrm>
@@ -1910,7 +2060,7 @@
         </a:bodyPr>
         <a:lstStyle/>
         <a:p>
-          <a:pPr marL="0" lvl="0" indent="0" algn="ctr" defTabSz="1066800">
+          <a:pPr lvl="0" algn="ctr" defTabSz="1066800">
             <a:lnSpc>
               <a:spcPct val="90000"/>
             </a:lnSpc>
@@ -1920,7 +2070,6 @@
             <a:spcAft>
               <a:spcPct val="35000"/>
             </a:spcAft>
-            <a:buNone/>
           </a:pPr>
           <a:endParaRPr lang="en-US" sz="2400" kern="1200"/>
         </a:p>
@@ -1988,7 +2137,7 @@
         </a:bodyPr>
         <a:lstStyle/>
         <a:p>
-          <a:pPr marL="0" lvl="0" indent="0" algn="ctr" defTabSz="1066800">
+          <a:pPr lvl="0" algn="ctr" defTabSz="1066800">
             <a:lnSpc>
               <a:spcPct val="90000"/>
             </a:lnSpc>
@@ -1998,7 +2147,6 @@
             <a:spcAft>
               <a:spcPct val="35000"/>
             </a:spcAft>
-            <a:buNone/>
           </a:pPr>
           <a:endParaRPr lang="en-US" sz="2400" kern="1200"/>
         </a:p>
@@ -2066,7 +2214,7 @@
         </a:bodyPr>
         <a:lstStyle/>
         <a:p>
-          <a:pPr marL="0" lvl="0" indent="0" algn="ctr" defTabSz="1066800">
+          <a:pPr lvl="0" algn="ctr" defTabSz="1066800">
             <a:lnSpc>
               <a:spcPct val="90000"/>
             </a:lnSpc>
@@ -2076,7 +2224,6 @@
             <a:spcAft>
               <a:spcPct val="35000"/>
             </a:spcAft>
-            <a:buNone/>
           </a:pPr>
           <a:endParaRPr lang="en-US" sz="2400" kern="1200"/>
         </a:p>
@@ -2144,7 +2291,7 @@
         </a:bodyPr>
         <a:lstStyle/>
         <a:p>
-          <a:pPr marL="0" lvl="0" indent="0" algn="ctr" defTabSz="1066800">
+          <a:pPr lvl="0" algn="ctr" defTabSz="1066800">
             <a:lnSpc>
               <a:spcPct val="90000"/>
             </a:lnSpc>
@@ -2154,7 +2301,6 @@
             <a:spcAft>
               <a:spcPct val="35000"/>
             </a:spcAft>
-            <a:buNone/>
           </a:pPr>
           <a:endParaRPr lang="en-US" sz="2400" kern="1200"/>
         </a:p>
@@ -4510,7 +4656,7 @@
           <a:p>
             <a:fld id="{D63D5444-F62C-42C3-A75A-D9DBA807730F}" type="datetimeFigureOut">
               <a:rPr lang="en-US" smtClean="0"/>
-              <a:t>10/20/2017</a:t>
+              <a:t>10/20/17</a:t>
             </a:fld>
             <a:endParaRPr lang="en-US"/>
           </a:p>
@@ -4675,7 +4821,7 @@
           <a:p>
             <a:fld id="{12CAA1FA-7B6A-47D2-8D61-F225D71B51FF}" type="datetimeFigureOut">
               <a:rPr lang="en-US" smtClean="0"/>
-              <a:t>10/20/2017</a:t>
+              <a:t>10/20/17</a:t>
             </a:fld>
             <a:endParaRPr lang="en-US"/>
           </a:p>
@@ -5249,7 +5395,7 @@
             <a:fld id="{B61BEF0D-F0BB-DE4B-95CE-6DB70DBA9567}" type="datetimeFigureOut">
               <a:rPr lang="en-US" dirty="0"/>
               <a:pPr/>
-              <a:t>10/20/2017</a:t>
+              <a:t>10/20/17</a:t>
             </a:fld>
             <a:endParaRPr lang="en-US" dirty="0"/>
           </a:p>
@@ -5554,7 +5700,7 @@
             <a:fld id="{A79A3335-6331-4872-A8B7-ECD55539F4D0}" type="datetimeFigureOut">
               <a:rPr lang="en-US" smtClean="0"/>
               <a:pPr/>
-              <a:t>10/20/2017</a:t>
+              <a:t>10/20/17</a:t>
             </a:fld>
             <a:endParaRPr lang="en-US"/>
           </a:p>
@@ -5819,7 +5965,7 @@
             <a:fld id="{A79A3335-6331-4872-A8B7-ECD55539F4D0}" type="datetimeFigureOut">
               <a:rPr lang="en-US" smtClean="0"/>
               <a:pPr/>
-              <a:t>10/20/2017</a:t>
+              <a:t>10/20/17</a:t>
             </a:fld>
             <a:endParaRPr lang="en-US"/>
           </a:p>
@@ -6294,7 +6440,7 @@
             <a:fld id="{A79A3335-6331-4872-A8B7-ECD55539F4D0}" type="datetimeFigureOut">
               <a:rPr lang="en-US" smtClean="0"/>
               <a:pPr/>
-              <a:t>10/20/2017</a:t>
+              <a:t>10/20/17</a:t>
             </a:fld>
             <a:endParaRPr lang="en-US"/>
           </a:p>
@@ -6480,7 +6626,7 @@
             <a:fld id="{A79A3335-6331-4872-A8B7-ECD55539F4D0}" type="datetimeFigureOut">
               <a:rPr lang="en-US" smtClean="0"/>
               <a:pPr/>
-              <a:t>10/20/2017</a:t>
+              <a:t>10/20/17</a:t>
             </a:fld>
             <a:endParaRPr lang="en-US"/>
           </a:p>
@@ -7062,7 +7208,7 @@
             <a:fld id="{A79A3335-6331-4872-A8B7-ECD55539F4D0}" type="datetimeFigureOut">
               <a:rPr lang="en-US" smtClean="0"/>
               <a:pPr/>
-              <a:t>10/20/2017</a:t>
+              <a:t>10/20/17</a:t>
             </a:fld>
             <a:endParaRPr lang="en-US"/>
           </a:p>
@@ -7400,7 +7546,7 @@
             <a:fld id="{A79A3335-6331-4872-A8B7-ECD55539F4D0}" type="datetimeFigureOut">
               <a:rPr lang="en-US" smtClean="0"/>
               <a:pPr/>
-              <a:t>10/20/2017</a:t>
+              <a:t>10/20/17</a:t>
             </a:fld>
             <a:endParaRPr lang="en-US"/>
           </a:p>
@@ -7580,7 +7726,7 @@
           <a:p>
             <a:fld id="{A79A3335-6331-4872-A8B7-ECD55539F4D0}" type="datetimeFigureOut">
               <a:rPr lang="en-US" smtClean="0"/>
-              <a:t>10/20/2017</a:t>
+              <a:t>10/20/17</a:t>
             </a:fld>
             <a:endParaRPr lang="en-US"/>
           </a:p>
@@ -7776,7 +7922,7 @@
           <a:p>
             <a:fld id="{A79A3335-6331-4872-A8B7-ECD55539F4D0}" type="datetimeFigureOut">
               <a:rPr lang="en-US" smtClean="0"/>
-              <a:t>10/20/2017</a:t>
+              <a:t>10/20/17</a:t>
             </a:fld>
             <a:endParaRPr lang="en-US"/>
           </a:p>
@@ -8203,7 +8349,7 @@
           <a:p>
             <a:fld id="{A79A3335-6331-4872-A8B7-ECD55539F4D0}" type="datetimeFigureOut">
               <a:rPr lang="en-US" smtClean="0"/>
-              <a:t>10/20/2017</a:t>
+              <a:t>10/20/17</a:t>
             </a:fld>
             <a:endParaRPr lang="en-US"/>
           </a:p>
@@ -8477,7 +8623,7 @@
             <a:fld id="{B61BEF0D-F0BB-DE4B-95CE-6DB70DBA9567}" type="datetimeFigureOut">
               <a:rPr lang="en-US" dirty="0"/>
               <a:pPr/>
-              <a:t>10/20/2017</a:t>
+              <a:t>10/20/17</a:t>
             </a:fld>
             <a:endParaRPr lang="en-US" dirty="0"/>
           </a:p>
@@ -8782,7 +8928,7 @@
           <a:p>
             <a:fld id="{A79A3335-6331-4872-A8B7-ECD55539F4D0}" type="datetimeFigureOut">
               <a:rPr lang="en-US" smtClean="0"/>
-              <a:t>10/20/2017</a:t>
+              <a:t>10/20/17</a:t>
             </a:fld>
             <a:endParaRPr lang="en-US"/>
           </a:p>
@@ -9228,7 +9374,7 @@
           <a:p>
             <a:fld id="{A79A3335-6331-4872-A8B7-ECD55539F4D0}" type="datetimeFigureOut">
               <a:rPr lang="en-US" smtClean="0"/>
-              <a:t>10/20/2017</a:t>
+              <a:t>10/20/17</a:t>
             </a:fld>
             <a:endParaRPr lang="en-US"/>
           </a:p>
@@ -9362,7 +9508,7 @@
           <a:p>
             <a:fld id="{A79A3335-6331-4872-A8B7-ECD55539F4D0}" type="datetimeFigureOut">
               <a:rPr lang="en-US" smtClean="0"/>
-              <a:t>10/20/2017</a:t>
+              <a:t>10/20/17</a:t>
             </a:fld>
             <a:endParaRPr lang="en-US"/>
           </a:p>
@@ -9473,7 +9619,7 @@
           <a:p>
             <a:fld id="{A79A3335-6331-4872-A8B7-ECD55539F4D0}" type="datetimeFigureOut">
               <a:rPr lang="en-US" smtClean="0"/>
-              <a:t>10/20/2017</a:t>
+              <a:t>10/20/17</a:t>
             </a:fld>
             <a:endParaRPr lang="en-US"/>
           </a:p>
@@ -9772,7 +9918,7 @@
           <a:p>
             <a:fld id="{A79A3335-6331-4872-A8B7-ECD55539F4D0}" type="datetimeFigureOut">
               <a:rPr lang="en-US" smtClean="0"/>
-              <a:t>10/20/2017</a:t>
+              <a:t>10/20/17</a:t>
             </a:fld>
             <a:endParaRPr lang="en-US"/>
           </a:p>
@@ -10079,7 +10225,7 @@
           <a:p>
             <a:fld id="{A79A3335-6331-4872-A8B7-ECD55539F4D0}" type="datetimeFigureOut">
               <a:rPr lang="en-US" smtClean="0"/>
-              <a:t>10/20/2017</a:t>
+              <a:t>10/20/17</a:t>
             </a:fld>
             <a:endParaRPr lang="en-US"/>
           </a:p>
@@ -10327,7 +10473,7 @@
             <a:fld id="{A79A3335-6331-4872-A8B7-ECD55539F4D0}" type="datetimeFigureOut">
               <a:rPr lang="en-US" smtClean="0"/>
               <a:pPr/>
-              <a:t>10/20/2017</a:t>
+              <a:t>10/20/17</a:t>
             </a:fld>
             <a:endParaRPr lang="en-US"/>
           </a:p>
@@ -10437,7 +10583,7 @@
           <p:cNvPr id="7" name="Rectangle 6">
             <a:extLst>
               <a:ext uri="{FF2B5EF4-FFF2-40B4-BE49-F238E27FC236}">
-                <a16:creationId xmlns:a16="http://schemas.microsoft.com/office/drawing/2014/main" id="{249B56E4-8DBB-43B6-B10D-76F2B5FF6C12}"/>
+                <a16:creationId xmlns:a16="http://schemas.microsoft.com/office/drawing/2014/main" xmlns="" id="{249B56E4-8DBB-43B6-B10D-76F2B5FF6C12}"/>
               </a:ext>
             </a:extLst>
           </p:cNvPr>
@@ -10489,7 +10635,7 @@
           <p:cNvPr id="8" name="Rectangle 7">
             <a:extLst>
               <a:ext uri="{FF2B5EF4-FFF2-40B4-BE49-F238E27FC236}">
-                <a16:creationId xmlns:a16="http://schemas.microsoft.com/office/drawing/2014/main" id="{8C8C6778-7283-42BE-8D4D-74DC8C8075B2}"/>
+                <a16:creationId xmlns:a16="http://schemas.microsoft.com/office/drawing/2014/main" xmlns="" id="{8C8C6778-7283-42BE-8D4D-74DC8C8075B2}"/>
               </a:ext>
             </a:extLst>
           </p:cNvPr>
@@ -10542,7 +10688,7 @@
           <p:cNvPr id="9" name="Rectangle 8">
             <a:extLst>
               <a:ext uri="{FF2B5EF4-FFF2-40B4-BE49-F238E27FC236}">
-                <a16:creationId xmlns:a16="http://schemas.microsoft.com/office/drawing/2014/main" id="{0B9A9A48-53DC-466A-92E1-ECDF02943D28}"/>
+                <a16:creationId xmlns:a16="http://schemas.microsoft.com/office/drawing/2014/main" xmlns="" id="{0B9A9A48-53DC-466A-92E1-ECDF02943D28}"/>
               </a:ext>
             </a:extLst>
           </p:cNvPr>
@@ -11437,7 +11583,7 @@
           <p:cNvPr id="3" name="Picture 2">
             <a:extLst>
               <a:ext uri="{FF2B5EF4-FFF2-40B4-BE49-F238E27FC236}">
-                <a16:creationId xmlns:a16="http://schemas.microsoft.com/office/drawing/2014/main" id="{F7FB030D-1F26-4351-B43E-ADDCEE335749}"/>
+                <a16:creationId xmlns:a16="http://schemas.microsoft.com/office/drawing/2014/main" xmlns="" id="{F7FB030D-1F26-4351-B43E-ADDCEE335749}"/>
               </a:ext>
             </a:extLst>
           </p:cNvPr>
@@ -11509,7 +11655,7 @@
           <p:cNvPr id="3" name="Picture 2">
             <a:extLst>
               <a:ext uri="{FF2B5EF4-FFF2-40B4-BE49-F238E27FC236}">
-                <a16:creationId xmlns:a16="http://schemas.microsoft.com/office/drawing/2014/main" id="{44597713-CE79-4708-AA78-E4F53DEF92E0}"/>
+                <a16:creationId xmlns:a16="http://schemas.microsoft.com/office/drawing/2014/main" xmlns="" id="{44597713-CE79-4708-AA78-E4F53DEF92E0}"/>
               </a:ext>
             </a:extLst>
           </p:cNvPr>
@@ -11617,7 +11763,7 @@
             <p:ph idx="1"/>
             <p:extLst>
               <p:ext uri="{D42A27DB-BD31-4B8C-83A1-F6EECF244321}">
-                <p14:modId xmlns:p14="http://schemas.microsoft.com/office/powerpoint/2010/main" val="3842520505"/>
+                <p14:modId xmlns:p14="http://schemas.microsoft.com/office/powerpoint/2010/main" val="424433982"/>
               </p:ext>
             </p:extLst>
           </p:nvPr>
@@ -11679,7 +11825,7 @@
           <p:cNvPr id="3" name="Picture 2">
             <a:extLst>
               <a:ext uri="{FF2B5EF4-FFF2-40B4-BE49-F238E27FC236}">
-                <a16:creationId xmlns:a16="http://schemas.microsoft.com/office/drawing/2014/main" id="{397F91B3-7A93-4671-AC41-A941A9DAEAB4}"/>
+                <a16:creationId xmlns:a16="http://schemas.microsoft.com/office/drawing/2014/main" xmlns="" id="{397F91B3-7A93-4671-AC41-A941A9DAEAB4}"/>
               </a:ext>
             </a:extLst>
           </p:cNvPr>

--- a/Assist.pptx
+++ b/Assist.pptx
@@ -5,10 +5,10 @@
     <p:sldMasterId id="2147483662" r:id="rId1"/>
   </p:sldMasterIdLst>
   <p:notesMasterIdLst>
-    <p:notesMasterId r:id="rId7"/>
+    <p:notesMasterId r:id="rId8"/>
   </p:notesMasterIdLst>
   <p:handoutMasterIdLst>
-    <p:handoutMasterId r:id="rId8"/>
+    <p:handoutMasterId r:id="rId9"/>
   </p:handoutMasterIdLst>
   <p:sldIdLst>
     <p:sldId id="257" r:id="rId2"/>
@@ -16,6 +16,7 @@
     <p:sldId id="262" r:id="rId4"/>
     <p:sldId id="261" r:id="rId5"/>
     <p:sldId id="264" r:id="rId6"/>
+    <p:sldId id="265" r:id="rId7"/>
   </p:sldIdLst>
   <p:sldSz cx="12192000" cy="6858000"/>
   <p:notesSz cx="6858000" cy="9144000"/>
@@ -1437,10 +1438,10 @@
     </dgm:pt>
   </dgm:ptLst>
   <dgm:cxnLst>
+    <dgm:cxn modelId="{B8DA09E7-D111-4DA2-8A2D-B1AA5B3C86D8}" type="presOf" srcId="{74020AF3-C700-4606-8917-C6A353D7963A}" destId="{B61A2487-C26E-4494-A1E4-B360FDDA3A12}" srcOrd="1" destOrd="0" presId="urn:microsoft.com/office/officeart/2005/8/layout/vProcess5"/>
     <dgm:cxn modelId="{BABE407D-6D9C-4931-BCA4-EE46C770279F}" type="presOf" srcId="{42147153-A6C2-4177-BA7D-2ACCC2C1B2F7}" destId="{73343952-148F-4F15-A488-87D53E73393B}" srcOrd="0" destOrd="0" presId="urn:microsoft.com/office/officeart/2005/8/layout/vProcess5"/>
-    <dgm:cxn modelId="{B8DA09E7-D111-4DA2-8A2D-B1AA5B3C86D8}" type="presOf" srcId="{74020AF3-C700-4606-8917-C6A353D7963A}" destId="{B61A2487-C26E-4494-A1E4-B360FDDA3A12}" srcOrd="1" destOrd="0" presId="urn:microsoft.com/office/officeart/2005/8/layout/vProcess5"/>
+    <dgm:cxn modelId="{777DC3C6-D336-4C94-A624-E5582A07ECAA}" srcId="{44156040-AF98-4F2C-9909-9F2439F6F588}" destId="{42147153-A6C2-4177-BA7D-2ACCC2C1B2F7}" srcOrd="3" destOrd="0" parTransId="{C6F68745-4C20-4204-96A6-585691399C14}" sibTransId="{0C6B132F-0347-46BA-86A4-3FAFB6676411}"/>
     <dgm:cxn modelId="{4672930C-81B7-4295-8D9E-47134B00F0B1}" type="presOf" srcId="{E1826C46-15A2-4345-B986-53D05F21F155}" destId="{AD3639B5-445C-43D1-83EC-04F196F897E3}" srcOrd="0" destOrd="0" presId="urn:microsoft.com/office/officeart/2005/8/layout/vProcess5"/>
-    <dgm:cxn modelId="{777DC3C6-D336-4C94-A624-E5582A07ECAA}" srcId="{44156040-AF98-4F2C-9909-9F2439F6F588}" destId="{42147153-A6C2-4177-BA7D-2ACCC2C1B2F7}" srcOrd="3" destOrd="0" parTransId="{C6F68745-4C20-4204-96A6-585691399C14}" sibTransId="{0C6B132F-0347-46BA-86A4-3FAFB6676411}"/>
     <dgm:cxn modelId="{937639B3-2352-48E4-A96B-F63DF2119D92}" srcId="{44156040-AF98-4F2C-9909-9F2439F6F588}" destId="{12E26E22-71B0-4386-A84F-ABF2FF66A99F}" srcOrd="1" destOrd="0" parTransId="{3A6CB3CB-0F71-4CA8-93AA-0E3E3D59D313}" sibTransId="{E1826C46-15A2-4345-B986-53D05F21F155}"/>
     <dgm:cxn modelId="{A483AC15-62BC-4D4F-852D-ED3A032522F5}" type="presOf" srcId="{74020AF3-C700-4606-8917-C6A353D7963A}" destId="{E4487042-1F1E-4AD3-B0EF-4621952C1E02}" srcOrd="0" destOrd="0" presId="urn:microsoft.com/office/officeart/2005/8/layout/vProcess5"/>
     <dgm:cxn modelId="{B0E2386F-A443-4201-8130-FB9CC25AA154}" srcId="{44156040-AF98-4F2C-9909-9F2439F6F588}" destId="{74020AF3-C700-4606-8917-C6A353D7963A}" srcOrd="0" destOrd="0" parTransId="{87D99D21-0B4A-4259-89FB-0E5941CB535C}" sibTransId="{6CFF1BD9-AE1F-4488-8B72-01186EADA6FF}"/>
@@ -10583,7 +10584,7 @@
           <p:cNvPr id="7" name="Rectangle 6">
             <a:extLst>
               <a:ext uri="{FF2B5EF4-FFF2-40B4-BE49-F238E27FC236}">
-                <a16:creationId xmlns:a16="http://schemas.microsoft.com/office/drawing/2014/main" xmlns="" id="{249B56E4-8DBB-43B6-B10D-76F2B5FF6C12}"/>
+                <a16:creationId xmlns="" xmlns:a16="http://schemas.microsoft.com/office/drawing/2014/main" id="{249B56E4-8DBB-43B6-B10D-76F2B5FF6C12}"/>
               </a:ext>
             </a:extLst>
           </p:cNvPr>
@@ -10635,7 +10636,7 @@
           <p:cNvPr id="8" name="Rectangle 7">
             <a:extLst>
               <a:ext uri="{FF2B5EF4-FFF2-40B4-BE49-F238E27FC236}">
-                <a16:creationId xmlns:a16="http://schemas.microsoft.com/office/drawing/2014/main" xmlns="" id="{8C8C6778-7283-42BE-8D4D-74DC8C8075B2}"/>
+                <a16:creationId xmlns="" xmlns:a16="http://schemas.microsoft.com/office/drawing/2014/main" id="{8C8C6778-7283-42BE-8D4D-74DC8C8075B2}"/>
               </a:ext>
             </a:extLst>
           </p:cNvPr>
@@ -10688,7 +10689,7 @@
           <p:cNvPr id="9" name="Rectangle 8">
             <a:extLst>
               <a:ext uri="{FF2B5EF4-FFF2-40B4-BE49-F238E27FC236}">
-                <a16:creationId xmlns:a16="http://schemas.microsoft.com/office/drawing/2014/main" xmlns="" id="{0B9A9A48-53DC-466A-92E1-ECDF02943D28}"/>
+                <a16:creationId xmlns="" xmlns:a16="http://schemas.microsoft.com/office/drawing/2014/main" id="{0B9A9A48-53DC-466A-92E1-ECDF02943D28}"/>
               </a:ext>
             </a:extLst>
           </p:cNvPr>
@@ -11558,6 +11559,13 @@
       </p:transition>
     </mc:Fallback>
   </mc:AlternateContent>
+  <p:timing>
+    <p:tnLst>
+      <p:par>
+        <p:cTn id="1" dur="indefinite" restart="never" nodeType="tmRoot"/>
+      </p:par>
+    </p:tnLst>
+  </p:timing>
 </p:sld>
 </file>
 
@@ -11583,7 +11591,7 @@
           <p:cNvPr id="3" name="Picture 2">
             <a:extLst>
               <a:ext uri="{FF2B5EF4-FFF2-40B4-BE49-F238E27FC236}">
-                <a16:creationId xmlns:a16="http://schemas.microsoft.com/office/drawing/2014/main" xmlns="" id="{F7FB030D-1F26-4351-B43E-ADDCEE335749}"/>
+                <a16:creationId xmlns="" xmlns:a16="http://schemas.microsoft.com/office/drawing/2014/main" id="{F7FB030D-1F26-4351-B43E-ADDCEE335749}"/>
               </a:ext>
             </a:extLst>
           </p:cNvPr>
@@ -11630,6 +11638,13 @@
       </p:transition>
     </mc:Fallback>
   </mc:AlternateContent>
+  <p:timing>
+    <p:tnLst>
+      <p:par>
+        <p:cTn id="1" dur="indefinite" restart="never" nodeType="tmRoot"/>
+      </p:par>
+    </p:tnLst>
+  </p:timing>
 </p:sld>
 </file>
 
@@ -11655,7 +11670,7 @@
           <p:cNvPr id="3" name="Picture 2">
             <a:extLst>
               <a:ext uri="{FF2B5EF4-FFF2-40B4-BE49-F238E27FC236}">
-                <a16:creationId xmlns:a16="http://schemas.microsoft.com/office/drawing/2014/main" xmlns="" id="{44597713-CE79-4708-AA78-E4F53DEF92E0}"/>
+                <a16:creationId xmlns="" xmlns:a16="http://schemas.microsoft.com/office/drawing/2014/main" id="{44597713-CE79-4708-AA78-E4F53DEF92E0}"/>
               </a:ext>
             </a:extLst>
           </p:cNvPr>
@@ -11702,6 +11717,13 @@
       </p:transition>
     </mc:Fallback>
   </mc:AlternateContent>
+  <p:timing>
+    <p:tnLst>
+      <p:par>
+        <p:cTn id="1" dur="indefinite" restart="never" nodeType="tmRoot"/>
+      </p:par>
+    </p:tnLst>
+  </p:timing>
 </p:sld>
 </file>
 
@@ -11800,6 +11822,13 @@
       </p:transition>
     </mc:Fallback>
   </mc:AlternateContent>
+  <p:timing>
+    <p:tnLst>
+      <p:par>
+        <p:cTn id="1" dur="indefinite" restart="never" nodeType="tmRoot"/>
+      </p:par>
+    </p:tnLst>
+  </p:timing>
 </p:sld>
 </file>
 
@@ -11825,7 +11854,7 @@
           <p:cNvPr id="3" name="Picture 2">
             <a:extLst>
               <a:ext uri="{FF2B5EF4-FFF2-40B4-BE49-F238E27FC236}">
-                <a16:creationId xmlns:a16="http://schemas.microsoft.com/office/drawing/2014/main" xmlns="" id="{397F91B3-7A93-4671-AC41-A941A9DAEAB4}"/>
+                <a16:creationId xmlns="" xmlns:a16="http://schemas.microsoft.com/office/drawing/2014/main" id="{397F91B3-7A93-4671-AC41-A941A9DAEAB4}"/>
               </a:ext>
             </a:extLst>
           </p:cNvPr>
@@ -11872,6 +11901,92 @@
       </p:transition>
     </mc:Fallback>
   </mc:AlternateContent>
+  <p:timing>
+    <p:tnLst>
+      <p:par>
+        <p:cTn id="1" dur="indefinite" restart="never" nodeType="tmRoot"/>
+      </p:par>
+    </p:tnLst>
+  </p:timing>
+</p:sld>
+</file>
+
+<file path=ppt/slides/slide6.xml><?xml version="1.0" encoding="utf-8"?>
+<p:sld xmlns:a="http://schemas.openxmlformats.org/drawingml/2006/main" xmlns:r="http://schemas.openxmlformats.org/officeDocument/2006/relationships" xmlns:p="http://schemas.openxmlformats.org/presentationml/2006/main">
+  <p:cSld>
+    <p:spTree>
+      <p:nvGrpSpPr>
+        <p:cNvPr id="1" name=""/>
+        <p:cNvGrpSpPr/>
+        <p:nvPr/>
+      </p:nvGrpSpPr>
+      <p:grpSpPr>
+        <a:xfrm>
+          <a:off x="0" y="0"/>
+          <a:ext cx="0" cy="0"/>
+          <a:chOff x="0" y="0"/>
+          <a:chExt cx="0" cy="0"/>
+        </a:xfrm>
+      </p:grpSpPr>
+      <p:pic>
+        <p:nvPicPr>
+          <p:cNvPr id="5" name="Picture 4"/>
+          <p:cNvPicPr>
+            <a:picLocks noChangeAspect="1"/>
+          </p:cNvPicPr>
+          <p:nvPr/>
+        </p:nvPicPr>
+        <p:blipFill>
+          <a:blip r:embed="rId2">
+            <a:extLst>
+              <a:ext uri="{28A0092B-C50C-407E-A947-70E740481C1C}">
+                <a14:useLocalDpi xmlns:a14="http://schemas.microsoft.com/office/drawing/2010/main" val="0"/>
+              </a:ext>
+            </a:extLst>
+          </a:blip>
+          <a:stretch>
+            <a:fillRect/>
+          </a:stretch>
+        </p:blipFill>
+        <p:spPr>
+          <a:xfrm>
+            <a:off x="-282632" y="-516775"/>
+            <a:ext cx="12651971" cy="7782098"/>
+          </a:xfrm>
+          <a:prstGeom prst="rect">
+            <a:avLst/>
+          </a:prstGeom>
+        </p:spPr>
+      </p:pic>
+    </p:spTree>
+    <p:extLst>
+      <p:ext uri="{BB962C8B-B14F-4D97-AF65-F5344CB8AC3E}">
+        <p14:creationId xmlns:p14="http://schemas.microsoft.com/office/powerpoint/2010/main" val="1668743787"/>
+      </p:ext>
+    </p:extLst>
+  </p:cSld>
+  <p:clrMapOvr>
+    <a:masterClrMapping/>
+  </p:clrMapOvr>
+  <mc:AlternateContent xmlns:mc="http://schemas.openxmlformats.org/markup-compatibility/2006" xmlns:p14="http://schemas.microsoft.com/office/powerpoint/2010/main">
+    <mc:Choice Requires="p14">
+      <p:transition spd="med" p14:dur="700">
+        <p:fade/>
+      </p:transition>
+    </mc:Choice>
+    <mc:Fallback xmlns="">
+      <p:transition spd="med">
+        <p:fade/>
+      </p:transition>
+    </mc:Fallback>
+  </mc:AlternateContent>
+  <p:timing>
+    <p:tnLst>
+      <p:par>
+        <p:cTn id="1" dur="indefinite" restart="never" nodeType="tmRoot"/>
+      </p:par>
+    </p:tnLst>
+  </p:timing>
 </p:sld>
 </file>
 
